--- a/IE_BigData_FischerNovotnySchieferdecker.pptx
+++ b/IE_BigData_FischerNovotnySchieferdecker.pptx
@@ -3645,6 +3645,13 @@
   <p:clrMapOvr>
     <a:masterClrMapping/>
   </p:clrMapOvr>
+  <p:timing>
+    <p:tnLst>
+      <p:par>
+        <p:cTn id="1" dur="indefinite" restart="never" nodeType="tmRoot"/>
+      </p:par>
+    </p:tnLst>
+  </p:timing>
 </p:sld>
 </file>
 
@@ -3732,6 +3739,13 @@
   <p:clrMapOvr>
     <a:masterClrMapping/>
   </p:clrMapOvr>
+  <p:timing>
+    <p:tnLst>
+      <p:par>
+        <p:cTn id="1" dur="indefinite" restart="never" nodeType="tmRoot"/>
+      </p:par>
+    </p:tnLst>
+  </p:timing>
 </p:sld>
 </file>
 
@@ -3922,6 +3936,13 @@
   <p:clrMapOvr>
     <a:masterClrMapping/>
   </p:clrMapOvr>
+  <p:timing>
+    <p:tnLst>
+      <p:par>
+        <p:cTn id="1" dur="indefinite" restart="never" nodeType="tmRoot"/>
+      </p:par>
+    </p:tnLst>
+  </p:timing>
 </p:sld>
 </file>
 
@@ -3984,6 +4005,9 @@
           </a:bodyPr>
           <a:lstStyle/>
           <a:p>
+            <a:pPr marL="0" indent="0">
+              <a:buNone/>
+            </a:pPr>
             <a:r>
               <a:rPr lang="de-CH" b="1" dirty="0" smtClean="0"/>
               <a:t>Air Quality in Madrid (2001 - 2018)</a:t>
@@ -4078,6 +4102,13 @@
   <p:clrMapOvr>
     <a:masterClrMapping/>
   </p:clrMapOvr>
+  <p:timing>
+    <p:tnLst>
+      <p:par>
+        <p:cTn id="1" dur="indefinite" restart="never" nodeType="tmRoot"/>
+      </p:par>
+    </p:tnLst>
+  </p:timing>
 </p:sld>
 </file>
 
@@ -4759,6 +4790,13 @@
   <p:clrMapOvr>
     <a:masterClrMapping/>
   </p:clrMapOvr>
+  <p:timing>
+    <p:tnLst>
+      <p:par>
+        <p:cTn id="1" dur="indefinite" restart="never" nodeType="tmRoot"/>
+      </p:par>
+    </p:tnLst>
+  </p:timing>
 </p:sld>
 </file>
 
@@ -4875,6 +4913,14 @@
               <a:t>der CSV Daten: 	</a:t>
             </a:r>
             <a:r>
+              <a:rPr lang="de-CH" sz="1800" kern="0" dirty="0" smtClean="0">
+                <a:solidFill>
+                  <a:sysClr val="windowText" lastClr="000000"/>
+                </a:solidFill>
+              </a:rPr>
+              <a:t>	</a:t>
+            </a:r>
+            <a:r>
               <a:rPr lang="de-CH" sz="1600" kern="0" dirty="0" err="1" smtClean="0">
                 <a:solidFill>
                   <a:sysClr val="windowText" lastClr="000000"/>
@@ -4919,6 +4965,14 @@
               <a:t>SQL-Abfrage: 			</a:t>
             </a:r>
             <a:r>
+              <a:rPr lang="de-CH" sz="1800" kern="0" dirty="0" smtClean="0">
+                <a:solidFill>
+                  <a:sysClr val="windowText" lastClr="000000"/>
+                </a:solidFill>
+              </a:rPr>
+              <a:t>	</a:t>
+            </a:r>
+            <a:r>
               <a:rPr lang="de-CH" sz="1600" kern="0" dirty="0" err="1" smtClean="0">
                 <a:solidFill>
                   <a:sysClr val="windowText" lastClr="000000"/>
@@ -4963,6 +5017,14 @@
               <a:t>Daten ansehen: 		</a:t>
             </a:r>
             <a:r>
+              <a:rPr lang="de-CH" sz="1800" kern="0" dirty="0" smtClean="0">
+                <a:solidFill>
+                  <a:sysClr val="windowText" lastClr="000000"/>
+                </a:solidFill>
+              </a:rPr>
+              <a:t>	</a:t>
+            </a:r>
+            <a:r>
               <a:rPr lang="de-CH" sz="1600" kern="0" dirty="0" err="1" smtClean="0">
                 <a:solidFill>
                   <a:sysClr val="windowText" lastClr="000000"/>
@@ -4973,17 +5035,17 @@
               <a:t>show</a:t>
             </a:r>
             <a:r>
-              <a:rPr lang="de-CH" sz="1600" kern="0" dirty="0">
+              <a:rPr lang="de-CH" sz="1600" kern="0" dirty="0" smtClean="0">
                 <a:solidFill>
                   <a:sysClr val="windowText" lastClr="000000"/>
                 </a:solidFill>
                 <a:latin typeface="Courier New" panose="02070309020205020404" pitchFamily="49" charset="0"/>
                 <a:cs typeface="Courier New" panose="02070309020205020404" pitchFamily="49" charset="0"/>
               </a:rPr>
-              <a:t>() / </a:t>
-            </a:r>
-            <a:r>
-              <a:rPr lang="de-CH" sz="1600" kern="0" dirty="0" err="1">
+              <a:t>()/</a:t>
+            </a:r>
+            <a:r>
+              <a:rPr lang="de-CH" sz="1600" kern="0" dirty="0" err="1" smtClean="0">
                 <a:solidFill>
                   <a:sysClr val="windowText" lastClr="000000"/>
                 </a:solidFill>
@@ -4993,17 +5055,17 @@
               <a:t>count</a:t>
             </a:r>
             <a:r>
-              <a:rPr lang="de-CH" sz="1600" kern="0" dirty="0">
+              <a:rPr lang="de-CH" sz="1600" kern="0" dirty="0" smtClean="0">
                 <a:solidFill>
                   <a:sysClr val="windowText" lastClr="000000"/>
                 </a:solidFill>
                 <a:latin typeface="Courier New" panose="02070309020205020404" pitchFamily="49" charset="0"/>
                 <a:cs typeface="Courier New" panose="02070309020205020404" pitchFamily="49" charset="0"/>
               </a:rPr>
-              <a:t>() / </a:t>
-            </a:r>
-            <a:r>
-              <a:rPr lang="de-CH" sz="1600" kern="0" dirty="0" err="1">
+              <a:t>()/</a:t>
+            </a:r>
+            <a:r>
+              <a:rPr lang="de-CH" sz="1600" kern="0" dirty="0" err="1" smtClean="0">
                 <a:solidFill>
                   <a:sysClr val="windowText" lastClr="000000"/>
                 </a:solidFill>
@@ -5040,6 +5102,14 @@
               <a:t>Grafisch Darstellung 		</a:t>
             </a:r>
             <a:r>
+              <a:rPr lang="de-CH" sz="1800" kern="0" dirty="0" smtClean="0">
+                <a:solidFill>
+                  <a:sysClr val="windowText" lastClr="000000"/>
+                </a:solidFill>
+              </a:rPr>
+              <a:t>	</a:t>
+            </a:r>
+            <a:r>
               <a:rPr lang="de-CH" sz="1600" kern="0" dirty="0" err="1" smtClean="0">
                 <a:solidFill>
                   <a:sysClr val="windowText" lastClr="000000"/>
@@ -5050,17 +5120,17 @@
               <a:t>toPandas</a:t>
             </a:r>
             <a:r>
-              <a:rPr lang="de-CH" sz="1600" kern="0" dirty="0">
+              <a:rPr lang="de-CH" sz="1600" kern="0" dirty="0" smtClean="0">
                 <a:solidFill>
                   <a:sysClr val="windowText" lastClr="000000"/>
                 </a:solidFill>
                 <a:latin typeface="Courier New" panose="02070309020205020404" pitchFamily="49" charset="0"/>
                 <a:cs typeface="Courier New" panose="02070309020205020404" pitchFamily="49" charset="0"/>
               </a:rPr>
-              <a:t>() / </a:t>
-            </a:r>
-            <a:r>
-              <a:rPr lang="de-CH" sz="1600" kern="0" dirty="0" err="1">
+              <a:t>()/</a:t>
+            </a:r>
+            <a:r>
+              <a:rPr lang="de-CH" sz="1600" kern="0" dirty="0" err="1" smtClean="0">
                 <a:solidFill>
                   <a:sysClr val="windowText" lastClr="000000"/>
                 </a:solidFill>
@@ -5070,17 +5140,17 @@
               <a:t>plot</a:t>
             </a:r>
             <a:r>
-              <a:rPr lang="de-CH" sz="1600" kern="0" dirty="0">
+              <a:rPr lang="de-CH" sz="1600" kern="0" dirty="0" smtClean="0">
                 <a:solidFill>
                   <a:sysClr val="windowText" lastClr="000000"/>
                 </a:solidFill>
                 <a:latin typeface="Courier New" panose="02070309020205020404" pitchFamily="49" charset="0"/>
                 <a:cs typeface="Courier New" panose="02070309020205020404" pitchFamily="49" charset="0"/>
               </a:rPr>
-              <a:t>(…) / </a:t>
-            </a:r>
-            <a:r>
-              <a:rPr lang="de-CH" sz="1600" kern="0" dirty="0" err="1">
+              <a:t>(…)/</a:t>
+            </a:r>
+            <a:r>
+              <a:rPr lang="de-CH" sz="1600" kern="0" dirty="0" err="1" smtClean="0">
                 <a:solidFill>
                   <a:sysClr val="windowText" lastClr="000000"/>
                 </a:solidFill>
@@ -5117,6 +5187,14 @@
               <a:t>Daten zusammenführen: 	</a:t>
             </a:r>
             <a:r>
+              <a:rPr lang="de-CH" sz="1800" kern="0" dirty="0" smtClean="0">
+                <a:solidFill>
+                  <a:sysClr val="windowText" lastClr="000000"/>
+                </a:solidFill>
+              </a:rPr>
+              <a:t>	</a:t>
+            </a:r>
+            <a:r>
               <a:rPr lang="de-CH" sz="1600" kern="0" dirty="0" err="1" smtClean="0">
                 <a:solidFill>
                   <a:sysClr val="windowText" lastClr="000000"/>
@@ -5190,6 +5268,14 @@
               <a:t>. Attribute:	</a:t>
             </a:r>
             <a:r>
+              <a:rPr lang="de-CH" sz="1800" kern="0" dirty="0" smtClean="0">
+                <a:solidFill>
+                  <a:sysClr val="windowText" lastClr="000000"/>
+                </a:solidFill>
+              </a:rPr>
+              <a:t>	</a:t>
+            </a:r>
+            <a:r>
               <a:rPr lang="de-CH" sz="1600" kern="0" dirty="0" err="1" smtClean="0">
                 <a:solidFill>
                   <a:sysClr val="windowText" lastClr="000000"/>
@@ -5227,6 +5313,14 @@
               <a:t>Abspeichern in einem CSV-File:	</a:t>
             </a:r>
             <a:r>
+              <a:rPr lang="de-CH" sz="1800" kern="0" dirty="0" smtClean="0">
+                <a:solidFill>
+                  <a:sysClr val="windowText" lastClr="000000"/>
+                </a:solidFill>
+              </a:rPr>
+              <a:t>	</a:t>
+            </a:r>
+            <a:r>
               <a:rPr lang="de-CH" sz="1600" kern="0" dirty="0" smtClean="0">
                 <a:solidFill>
                   <a:sysClr val="windowText" lastClr="000000"/>
@@ -5280,6 +5374,14 @@
               <a:t>-File: 	</a:t>
             </a:r>
             <a:r>
+              <a:rPr lang="de-CH" sz="1800" kern="0" dirty="0" smtClean="0">
+                <a:solidFill>
+                  <a:sysClr val="windowText" lastClr="000000"/>
+                </a:solidFill>
+              </a:rPr>
+              <a:t>	</a:t>
+            </a:r>
+            <a:r>
               <a:rPr lang="de-CH" sz="1600" kern="0" dirty="0" err="1" smtClean="0">
                 <a:solidFill>
                   <a:sysClr val="windowText" lastClr="000000"/>
@@ -5317,6 +5419,14 @@
               <a:t>Format Zeitstempel anpassen:	</a:t>
             </a:r>
             <a:r>
+              <a:rPr lang="de-CH" sz="1800" kern="0" dirty="0" smtClean="0">
+                <a:solidFill>
+                  <a:sysClr val="windowText" lastClr="000000"/>
+                </a:solidFill>
+              </a:rPr>
+              <a:t>	</a:t>
+            </a:r>
+            <a:r>
               <a:rPr lang="de-CH" sz="1600" kern="0" dirty="0" smtClean="0">
                 <a:solidFill>
                   <a:sysClr val="windowText" lastClr="000000"/>
@@ -5354,6 +5464,14 @@
               <a:t>Grafiken mit gemittelten Daten:	</a:t>
             </a:r>
             <a:r>
+              <a:rPr lang="de-CH" sz="1800" kern="0" dirty="0" smtClean="0">
+                <a:solidFill>
+                  <a:sysClr val="windowText" lastClr="000000"/>
+                </a:solidFill>
+              </a:rPr>
+              <a:t>	</a:t>
+            </a:r>
+            <a:r>
               <a:rPr lang="de-CH" sz="1600" kern="0" dirty="0" err="1" smtClean="0">
                 <a:solidFill>
                   <a:sysClr val="windowText" lastClr="000000"/>
@@ -5397,6 +5515,14 @@
                 </a:solidFill>
               </a:rPr>
               <a:t> mit Wetterdaten:		</a:t>
+            </a:r>
+            <a:r>
+              <a:rPr lang="de-CH" sz="1800" kern="0" dirty="0" smtClean="0">
+                <a:solidFill>
+                  <a:sysClr val="windowText" lastClr="000000"/>
+                </a:solidFill>
+              </a:rPr>
+              <a:t>	</a:t>
             </a:r>
             <a:r>
               <a:rPr lang="de-CH" sz="1600" kern="0" dirty="0" err="1" smtClean="0">
@@ -5432,6 +5558,13 @@
   <p:clrMapOvr>
     <a:masterClrMapping/>
   </p:clrMapOvr>
+  <p:timing>
+    <p:tnLst>
+      <p:par>
+        <p:cTn id="1" dur="indefinite" restart="never" nodeType="tmRoot"/>
+      </p:par>
+    </p:tnLst>
+  </p:timing>
 </p:sld>
 </file>
 
@@ -5546,6 +5679,13 @@
   <p:clrMapOvr>
     <a:masterClrMapping/>
   </p:clrMapOvr>
+  <p:timing>
+    <p:tnLst>
+      <p:par>
+        <p:cTn id="1" dur="indefinite" restart="never" nodeType="tmRoot"/>
+      </p:par>
+    </p:tnLst>
+  </p:timing>
 </p:sld>
 </file>
 
@@ -5662,6 +5802,13 @@
   <p:clrMapOvr>
     <a:masterClrMapping/>
   </p:clrMapOvr>
+  <p:timing>
+    <p:tnLst>
+      <p:par>
+        <p:cTn id="1" dur="indefinite" restart="never" nodeType="tmRoot"/>
+      </p:par>
+    </p:tnLst>
+  </p:timing>
 </p:sld>
 </file>
 
@@ -5742,6 +5889,13 @@
   <p:clrMapOvr>
     <a:masterClrMapping/>
   </p:clrMapOvr>
+  <p:timing>
+    <p:tnLst>
+      <p:par>
+        <p:cTn id="1" dur="indefinite" restart="never" nodeType="tmRoot"/>
+      </p:par>
+    </p:tnLst>
+  </p:timing>
 </p:sld>
 </file>
 
@@ -5821,6 +5975,13 @@
   <p:clrMapOvr>
     <a:masterClrMapping/>
   </p:clrMapOvr>
+  <p:timing>
+    <p:tnLst>
+      <p:par>
+        <p:cTn id="1" dur="indefinite" restart="never" nodeType="tmRoot"/>
+      </p:par>
+    </p:tnLst>
+  </p:timing>
 </p:sld>
 </file>
 
